--- a/docs/lectures/lec-07.pptx
+++ b/docs/lectures/lec-07.pptx
@@ -5706,13 +5706,23 @@
             <a:pPr eaLnBrk="1" hangingPunct="1"/>
             <a:r>
               <a:rPr lang="en-US" altLang="en-US" sz="3200" dirty="0"/>
-              <a:t>February </a:t>
-            </a:r>
-            <a:r>
-              <a:rPr lang="en-US" altLang="en-US" sz="3200"/>
-              <a:t>09 2023</a:t>
-            </a:r>
-            <a:endParaRPr lang="en-US" altLang="en-US" sz="3200" dirty="0"/>
+              <a:t>February 09 2023</a:t>
+            </a:r>
+          </a:p>
+          <a:p>
+            <a:pPr eaLnBrk="1" hangingPunct="1"/>
+            <a:r>
+              <a:rPr lang="en-US" altLang="en-US" sz="2000" dirty="0"/>
+              <a:t>(acknowledgements: Steve </a:t>
+            </a:r>
+            <a:r>
+              <a:rPr lang="en-US" altLang="en-US" sz="2000" dirty="0" err="1"/>
+              <a:t>Cadrin</a:t>
+            </a:r>
+            <a:r>
+              <a:rPr lang="en-US" altLang="en-US" sz="2000" dirty="0"/>
+              <a:t>)</a:t>
+            </a:r>
           </a:p>
         </p:txBody>
       </p:sp>
@@ -11431,7 +11441,7 @@
             <a:pPr lvl="1" eaLnBrk="1" hangingPunct="1"/>
             <a:r>
               <a:rPr lang="en-US" altLang="en-US" sz="2400" dirty="0"/>
-              <a:t>… with thanks to Tiffany Cunningham</a:t>
+              <a:t>… with thanks to Tiffany Vidal</a:t>
             </a:r>
           </a:p>
         </p:txBody>
